--- a/presentation.pptx
+++ b/presentation.pptx
@@ -3910,7 +3910,18 @@
           </a:pPr>
           <a:r>
             <a:rPr lang="en-US" dirty="0"/>
-            <a:t>According to data set we used , If you want to do business in Toronto (in prospect list above ) .</a:t>
+            <a:t>According to data set we used , If you want to do business in Toronto </a:t>
+          </a:r>
+        </a:p>
+        <a:p>
+          <a:pPr>
+            <a:lnSpc>
+              <a:spcPct val="100000"/>
+            </a:lnSpc>
+          </a:pPr>
+          <a:r>
+            <a:rPr lang="en-US" dirty="0"/>
+            <a:t>(in prospect list above ) .</a:t>
           </a:r>
         </a:p>
       </dgm:t>
@@ -5417,7 +5428,7 @@
         </a:bodyPr>
         <a:lstStyle/>
         <a:p>
-          <a:pPr marL="0" lvl="0" indent="0" algn="l" defTabSz="933450">
+          <a:pPr marL="0" lvl="0" indent="0" algn="l" defTabSz="800100">
             <a:lnSpc>
               <a:spcPct val="100000"/>
             </a:lnSpc>
@@ -5430,8 +5441,26 @@
             <a:buNone/>
           </a:pPr>
           <a:r>
-            <a:rPr lang="en-US" sz="2100" kern="1200" dirty="0"/>
-            <a:t>According to data set we used , If you want to do business in Toronto (in prospect list above ) .</a:t>
+            <a:rPr lang="en-US" sz="1800" kern="1200" dirty="0"/>
+            <a:t>According to data set we used , If you want to do business in Toronto </a:t>
+          </a:r>
+        </a:p>
+        <a:p>
+          <a:pPr marL="0" lvl="0" indent="0" algn="l" defTabSz="800100">
+            <a:lnSpc>
+              <a:spcPct val="100000"/>
+            </a:lnSpc>
+            <a:spcBef>
+              <a:spcPct val="0"/>
+            </a:spcBef>
+            <a:spcAft>
+              <a:spcPct val="35000"/>
+            </a:spcAft>
+            <a:buNone/>
+          </a:pPr>
+          <a:r>
+            <a:rPr lang="en-US" sz="1800" kern="1200" dirty="0"/>
+            <a:t>(in prospect list above ) .</a:t>
           </a:r>
         </a:p>
       </dsp:txBody>
@@ -5577,7 +5606,7 @@
         </a:bodyPr>
         <a:lstStyle/>
         <a:p>
-          <a:pPr marL="0" lvl="0" indent="0" algn="l" defTabSz="933450">
+          <a:pPr marL="0" lvl="0" indent="0" algn="l" defTabSz="800100">
             <a:lnSpc>
               <a:spcPct val="100000"/>
             </a:lnSpc>
@@ -5590,7 +5619,7 @@
             <a:buNone/>
           </a:pPr>
           <a:r>
-            <a:rPr lang="en-US" sz="2100" kern="1200" dirty="0"/>
+            <a:rPr lang="en-US" sz="1800" kern="1200" dirty="0"/>
             <a:t>I recommend your business should be flour wholesale business which is can make repeatable profit and high demand . </a:t>
           </a:r>
         </a:p>
@@ -5740,7 +5769,7 @@
         </a:bodyPr>
         <a:lstStyle/>
         <a:p>
-          <a:pPr marL="0" lvl="0" indent="0" algn="l" defTabSz="933450">
+          <a:pPr marL="0" lvl="0" indent="0" algn="l" defTabSz="800100">
             <a:lnSpc>
               <a:spcPct val="100000"/>
             </a:lnSpc>
@@ -5753,7 +5782,7 @@
             <a:buNone/>
           </a:pPr>
           <a:r>
-            <a:rPr lang="en-US" sz="2100" kern="1200" dirty="0"/>
+            <a:rPr lang="en-US" sz="1800" kern="1200" dirty="0"/>
             <a:t> but if you don’t want to do flour business , I still recommend you to do other ingredient wholesale  or other B2B business </a:t>
           </a:r>
         </a:p>
@@ -5900,7 +5929,7 @@
         </a:bodyPr>
         <a:lstStyle/>
         <a:p>
-          <a:pPr marL="0" lvl="0" indent="0" algn="l" defTabSz="933450">
+          <a:pPr marL="0" lvl="0" indent="0" algn="l" defTabSz="800100">
             <a:lnSpc>
               <a:spcPct val="100000"/>
             </a:lnSpc>
@@ -5913,7 +5942,7 @@
             <a:buNone/>
           </a:pPr>
           <a:r>
-            <a:rPr lang="en-US" sz="2100" kern="1200" dirty="0"/>
+            <a:rPr lang="en-US" sz="1800" kern="1200" dirty="0"/>
             <a:t>I don’t recommend you to do restaurant business in the area because it has been already red ocean right now.</a:t>
           </a:r>
         </a:p>
@@ -15659,7 +15688,7 @@
             <p:ph idx="1"/>
             <p:extLst>
               <p:ext uri="{D42A27DB-BD31-4B8C-83A1-F6EECF244321}">
-                <p14:modId xmlns:p14="http://schemas.microsoft.com/office/powerpoint/2010/main" val="280744073"/>
+                <p14:modId xmlns:p14="http://schemas.microsoft.com/office/powerpoint/2010/main" val="1474647774"/>
               </p:ext>
             </p:extLst>
           </p:nvPr>

--- a/presentation.pptx
+++ b/presentation.pptx
@@ -16424,7 +16424,7 @@
               <a:buSzPct val="100000"/>
             </a:pPr>
             <a:r>
-              <a:rPr lang="en-US" kern="1200">
+              <a:rPr lang="en-US" kern="1200" dirty="0">
                 <a:solidFill>
                   <a:srgbClr val="FFFFFF"/>
                 </a:solidFill>
@@ -16432,7 +16432,29 @@
                 <a:ea typeface="+mn-ea"/>
                 <a:cs typeface="+mn-cs"/>
               </a:rPr>
-              <a:t>Scape from Wiki , Fetch from FourSquare API ,Merge ,adjust data to this format.</a:t>
+              <a:t>Scrape from Wikipedia , Fetch from </a:t>
+            </a:r>
+            <a:r>
+              <a:rPr lang="en-US" kern="1200" dirty="0" err="1">
+                <a:solidFill>
+                  <a:srgbClr val="FFFFFF"/>
+                </a:solidFill>
+                <a:latin typeface="+mn-lt"/>
+                <a:ea typeface="+mn-ea"/>
+                <a:cs typeface="+mn-cs"/>
+              </a:rPr>
+              <a:t>FourSquare</a:t>
+            </a:r>
+            <a:r>
+              <a:rPr lang="en-US" kern="1200" dirty="0">
+                <a:solidFill>
+                  <a:srgbClr val="FFFFFF"/>
+                </a:solidFill>
+                <a:latin typeface="+mn-lt"/>
+                <a:ea typeface="+mn-ea"/>
+                <a:cs typeface="+mn-cs"/>
+              </a:rPr>
+              <a:t> API ,Merge ,adjust data to this format.</a:t>
             </a:r>
           </a:p>
         </p:txBody>

--- a/presentation.pptx
+++ b/presentation.pptx
@@ -4044,7 +4044,18 @@
           </a:pPr>
           <a:r>
             <a:rPr lang="en-US" dirty="0"/>
-            <a:t>I don’t recommend you to do restaurant business in the area because it has been already red ocean right now.</a:t>
+            <a:t>I don’t recommend you to do restaurant business in the area because it has already been</a:t>
+          </a:r>
+        </a:p>
+        <a:p>
+          <a:pPr>
+            <a:lnSpc>
+              <a:spcPct val="100000"/>
+            </a:lnSpc>
+          </a:pPr>
+          <a:r>
+            <a:rPr lang="en-US" dirty="0"/>
+            <a:t> red ocean right now.</a:t>
           </a:r>
         </a:p>
       </dgm:t>
@@ -5943,7 +5954,25 @@
           </a:pPr>
           <a:r>
             <a:rPr lang="en-US" sz="1800" kern="1200" dirty="0"/>
-            <a:t>I don’t recommend you to do restaurant business in the area because it has been already red ocean right now.</a:t>
+            <a:t>I don’t recommend you to do restaurant business in the area because it has already been</a:t>
+          </a:r>
+        </a:p>
+        <a:p>
+          <a:pPr marL="0" lvl="0" indent="0" algn="l" defTabSz="800100">
+            <a:lnSpc>
+              <a:spcPct val="100000"/>
+            </a:lnSpc>
+            <a:spcBef>
+              <a:spcPct val="0"/>
+            </a:spcBef>
+            <a:spcAft>
+              <a:spcPct val="35000"/>
+            </a:spcAft>
+            <a:buNone/>
+          </a:pPr>
+          <a:r>
+            <a:rPr lang="en-US" sz="1800" kern="1200" dirty="0"/>
+            <a:t> red ocean right now.</a:t>
           </a:r>
         </a:p>
       </dsp:txBody>
@@ -15688,7 +15717,7 @@
             <p:ph idx="1"/>
             <p:extLst>
               <p:ext uri="{D42A27DB-BD31-4B8C-83A1-F6EECF244321}">
-                <p14:modId xmlns:p14="http://schemas.microsoft.com/office/powerpoint/2010/main" val="1474647774"/>
+                <p14:modId xmlns:p14="http://schemas.microsoft.com/office/powerpoint/2010/main" val="4215638230"/>
               </p:ext>
             </p:extLst>
           </p:nvPr>

--- a/presentation.pptx
+++ b/presentation.pptx
@@ -3135,7 +3135,7 @@
         <a:p>
           <a:r>
             <a:rPr lang="en-US" dirty="0"/>
-            <a:t>Which business will be recommended to do in the Toronto neighborhood,</a:t>
+            <a:t>Which business will be recommended to do in the Toronto neighborhood?</a:t>
           </a:r>
         </a:p>
       </dgm:t>
@@ -4435,7 +4435,7 @@
           </a:pPr>
           <a:r>
             <a:rPr lang="en-US" sz="1800" kern="1200" dirty="0"/>
-            <a:t>Which business will be recommended to do in the Toronto neighborhood,</a:t>
+            <a:t>Which business will be recommended to do in the Toronto neighborhood?</a:t>
           </a:r>
         </a:p>
       </dsp:txBody>
@@ -11437,7 +11437,7 @@
           <a:p>
             <a:fld id="{9184DA70-C731-4C70-880D-CCD4705E623C}" type="datetime1">
               <a:rPr lang="en-US" smtClean="0"/>
-              <a:t>15-Jul-21</a:t>
+              <a:t>16-Jul-21</a:t>
             </a:fld>
             <a:endParaRPr lang="en-US" dirty="0"/>
           </a:p>
@@ -11625,7 +11625,7 @@
           <a:p>
             <a:fld id="{B612A279-0833-481D-8C56-F67FD0AC6C50}" type="datetime1">
               <a:rPr lang="en-US" smtClean="0"/>
-              <a:t>15-Jul-21</a:t>
+              <a:t>16-Jul-21</a:t>
             </a:fld>
             <a:endParaRPr lang="en-US" dirty="0"/>
           </a:p>
@@ -11867,7 +11867,7 @@
           <a:p>
             <a:fld id="{6587DA83-5663-4C9C-B9AA-0B40A3DAFF81}" type="datetime1">
               <a:rPr lang="en-US" smtClean="0"/>
-              <a:t>15-Jul-21</a:t>
+              <a:t>16-Jul-21</a:t>
             </a:fld>
             <a:endParaRPr lang="en-US" dirty="0"/>
           </a:p>
@@ -12055,7 +12055,7 @@
           <a:p>
             <a:fld id="{4BE1D723-8F53-4F53-90B0-1982A396982E}" type="datetime1">
               <a:rPr lang="en-US" smtClean="0"/>
-              <a:t>15-Jul-21</a:t>
+              <a:t>16-Jul-21</a:t>
             </a:fld>
             <a:endParaRPr lang="en-US" dirty="0"/>
           </a:p>
@@ -12428,7 +12428,7 @@
           <a:p>
             <a:fld id="{97669AF7-7BEB-44E4-9852-375E34362B5B}" type="datetime1">
               <a:rPr lang="en-US" smtClean="0"/>
-              <a:t>15-Jul-21</a:t>
+              <a:t>16-Jul-21</a:t>
             </a:fld>
             <a:endParaRPr lang="en-US" dirty="0"/>
           </a:p>
@@ -12683,7 +12683,7 @@
           <a:p>
             <a:fld id="{BAAAC38D-0552-4C82-B593-E6124DFADBE2}" type="datetime1">
               <a:rPr lang="en-US" smtClean="0"/>
-              <a:t>15-Jul-21</a:t>
+              <a:t>16-Jul-21</a:t>
             </a:fld>
             <a:endParaRPr lang="en-US" dirty="0"/>
           </a:p>
@@ -13080,7 +13080,7 @@
           <a:p>
             <a:fld id="{D9DF0F1C-5577-4ACB-BB62-DF8F3C494C7E}" type="datetime1">
               <a:rPr lang="en-US" smtClean="0"/>
-              <a:t>15-Jul-21</a:t>
+              <a:t>16-Jul-21</a:t>
             </a:fld>
             <a:endParaRPr lang="en-US" dirty="0"/>
           </a:p>
@@ -13216,7 +13216,7 @@
           <a:p>
             <a:fld id="{1775B394-D9F9-4F0C-B15D-605F45CB9E9F}" type="datetime1">
               <a:rPr lang="en-US" smtClean="0"/>
-              <a:t>15-Jul-21</a:t>
+              <a:t>16-Jul-21</a:t>
             </a:fld>
             <a:endParaRPr lang="en-US" dirty="0"/>
           </a:p>
@@ -13373,7 +13373,7 @@
           <a:p>
             <a:fld id="{39667345-2558-425A-8533-9BFDBCE15005}" type="datetime1">
               <a:rPr lang="en-US" smtClean="0"/>
-              <a:t>15-Jul-21</a:t>
+              <a:t>16-Jul-21</a:t>
             </a:fld>
             <a:endParaRPr lang="en-US" dirty="0"/>
           </a:p>
@@ -13702,7 +13702,7 @@
           <a:p>
             <a:fld id="{92BEA474-078D-4E9B-9B14-09A87B19DC46}" type="datetime1">
               <a:rPr lang="en-US" smtClean="0"/>
-              <a:t>15-Jul-21</a:t>
+              <a:t>16-Jul-21</a:t>
             </a:fld>
             <a:endParaRPr lang="en-US" dirty="0"/>
           </a:p>
@@ -14052,7 +14052,7 @@
           <a:p>
             <a:fld id="{4907D986-8816-4272-A432-0437A28A9828}" type="datetime1">
               <a:rPr lang="en-US" smtClean="0"/>
-              <a:t>15-Jul-21</a:t>
+              <a:t>16-Jul-21</a:t>
             </a:fld>
             <a:endParaRPr lang="en-US" dirty="0"/>
           </a:p>
@@ -14313,7 +14313,7 @@
           <a:p>
             <a:fld id="{62D6E202-B606-4609-B914-27C9371A1F6D}" type="datetime1">
               <a:rPr lang="en-US" smtClean="0"/>
-              <a:t>15-Jul-21</a:t>
+              <a:t>16-Jul-21</a:t>
             </a:fld>
             <a:endParaRPr lang="en-US" dirty="0"/>
           </a:p>
@@ -15821,7 +15821,7 @@
             <p:ph idx="1"/>
             <p:extLst>
               <p:ext uri="{D42A27DB-BD31-4B8C-83A1-F6EECF244321}">
-                <p14:modId xmlns:p14="http://schemas.microsoft.com/office/powerpoint/2010/main" val="4252755218"/>
+                <p14:modId xmlns:p14="http://schemas.microsoft.com/office/powerpoint/2010/main" val="593051325"/>
               </p:ext>
             </p:extLst>
           </p:nvPr>
@@ -16606,7 +16606,7 @@
         </p:spPr>
         <p:txBody>
           <a:bodyPr>
-            <a:normAutofit/>
+            <a:normAutofit lnSpcReduction="10000"/>
           </a:bodyPr>
           <a:lstStyle/>
           <a:p>
@@ -16629,21 +16629,34 @@
             <a:endParaRPr lang="en-US" dirty="0"/>
           </a:p>
           <a:p>
+            <a:pPr marL="285750" indent="-285750">
+              <a:lnSpc>
+                <a:spcPct val="100000"/>
+              </a:lnSpc>
+              <a:buFontTx/>
+              <a:buChar char="-"/>
+            </a:pPr>
+            <a:r>
+              <a:rPr lang="en-US" dirty="0"/>
+              <a:t>Use epsilon = 0.35  </a:t>
+            </a:r>
+          </a:p>
+          <a:p>
             <a:pPr>
               <a:lnSpc>
                 <a:spcPct val="100000"/>
               </a:lnSpc>
             </a:pPr>
             <a:r>
-              <a:rPr lang="en-US" dirty="0"/>
-              <a:t>- Use epsilon = 0.35  (see more detail in report or </a:t>
+              <a:rPr lang="en-US" sz="1400" dirty="0"/>
+              <a:t>(see more detail in report or </a:t>
             </a:r>
             <a:r>
-              <a:rPr lang="en-US" dirty="0" err="1"/>
+              <a:rPr lang="en-US" sz="1400" dirty="0" err="1"/>
               <a:t>jupyter</a:t>
             </a:r>
             <a:r>
-              <a:rPr lang="en-US" dirty="0"/>
+              <a:rPr lang="en-US" sz="1400" dirty="0"/>
               <a:t> notebook)</a:t>
             </a:r>
           </a:p>
@@ -16663,7 +16676,7 @@
             </a:pPr>
             <a:r>
               <a:rPr lang="en-US" dirty="0"/>
-              <a:t>- Fit model </a:t>
+              <a:t>- Fitting model </a:t>
             </a:r>
           </a:p>
           <a:p>
